--- a/Spark_Notes/SparkExecutorMemory.pptx
+++ b/Spark_Notes/SparkExecutorMemory.pptx
@@ -243,7 +243,7 @@
           <a:p>
             <a:fld id="{D6A4B39F-B1B7-4540-9CD5-34E08F14BC09}" type="datetimeFigureOut">
               <a:rPr lang="en-GB" smtClean="0"/>
-              <a:t>31/08/2020</a:t>
+              <a:t>01/09/2020</a:t>
             </a:fld>
             <a:endParaRPr lang="en-GB"/>
           </a:p>
@@ -413,7 +413,7 @@
           <a:p>
             <a:fld id="{D6A4B39F-B1B7-4540-9CD5-34E08F14BC09}" type="datetimeFigureOut">
               <a:rPr lang="en-GB" smtClean="0"/>
-              <a:t>31/08/2020</a:t>
+              <a:t>01/09/2020</a:t>
             </a:fld>
             <a:endParaRPr lang="en-GB"/>
           </a:p>
@@ -593,7 +593,7 @@
           <a:p>
             <a:fld id="{D6A4B39F-B1B7-4540-9CD5-34E08F14BC09}" type="datetimeFigureOut">
               <a:rPr lang="en-GB" smtClean="0"/>
-              <a:t>31/08/2020</a:t>
+              <a:t>01/09/2020</a:t>
             </a:fld>
             <a:endParaRPr lang="en-GB"/>
           </a:p>
@@ -763,7 +763,7 @@
           <a:p>
             <a:fld id="{D6A4B39F-B1B7-4540-9CD5-34E08F14BC09}" type="datetimeFigureOut">
               <a:rPr lang="en-GB" smtClean="0"/>
-              <a:t>31/08/2020</a:t>
+              <a:t>01/09/2020</a:t>
             </a:fld>
             <a:endParaRPr lang="en-GB"/>
           </a:p>
@@ -1009,7 +1009,7 @@
           <a:p>
             <a:fld id="{D6A4B39F-B1B7-4540-9CD5-34E08F14BC09}" type="datetimeFigureOut">
               <a:rPr lang="en-GB" smtClean="0"/>
-              <a:t>31/08/2020</a:t>
+              <a:t>01/09/2020</a:t>
             </a:fld>
             <a:endParaRPr lang="en-GB"/>
           </a:p>
@@ -1241,7 +1241,7 @@
           <a:p>
             <a:fld id="{D6A4B39F-B1B7-4540-9CD5-34E08F14BC09}" type="datetimeFigureOut">
               <a:rPr lang="en-GB" smtClean="0"/>
-              <a:t>31/08/2020</a:t>
+              <a:t>01/09/2020</a:t>
             </a:fld>
             <a:endParaRPr lang="en-GB"/>
           </a:p>
@@ -1608,7 +1608,7 @@
           <a:p>
             <a:fld id="{D6A4B39F-B1B7-4540-9CD5-34E08F14BC09}" type="datetimeFigureOut">
               <a:rPr lang="en-GB" smtClean="0"/>
-              <a:t>31/08/2020</a:t>
+              <a:t>01/09/2020</a:t>
             </a:fld>
             <a:endParaRPr lang="en-GB"/>
           </a:p>
@@ -1726,7 +1726,7 @@
           <a:p>
             <a:fld id="{D6A4B39F-B1B7-4540-9CD5-34E08F14BC09}" type="datetimeFigureOut">
               <a:rPr lang="en-GB" smtClean="0"/>
-              <a:t>31/08/2020</a:t>
+              <a:t>01/09/2020</a:t>
             </a:fld>
             <a:endParaRPr lang="en-GB"/>
           </a:p>
@@ -1821,7 +1821,7 @@
           <a:p>
             <a:fld id="{D6A4B39F-B1B7-4540-9CD5-34E08F14BC09}" type="datetimeFigureOut">
               <a:rPr lang="en-GB" smtClean="0"/>
-              <a:t>31/08/2020</a:t>
+              <a:t>01/09/2020</a:t>
             </a:fld>
             <a:endParaRPr lang="en-GB"/>
           </a:p>
@@ -2098,7 +2098,7 @@
           <a:p>
             <a:fld id="{D6A4B39F-B1B7-4540-9CD5-34E08F14BC09}" type="datetimeFigureOut">
               <a:rPr lang="en-GB" smtClean="0"/>
-              <a:t>31/08/2020</a:t>
+              <a:t>01/09/2020</a:t>
             </a:fld>
             <a:endParaRPr lang="en-GB"/>
           </a:p>
@@ -2351,7 +2351,7 @@
           <a:p>
             <a:fld id="{D6A4B39F-B1B7-4540-9CD5-34E08F14BC09}" type="datetimeFigureOut">
               <a:rPr lang="en-GB" smtClean="0"/>
-              <a:t>31/08/2020</a:t>
+              <a:t>01/09/2020</a:t>
             </a:fld>
             <a:endParaRPr lang="en-GB"/>
           </a:p>
@@ -2564,7 +2564,7 @@
           <a:p>
             <a:fld id="{D6A4B39F-B1B7-4540-9CD5-34E08F14BC09}" type="datetimeFigureOut">
               <a:rPr lang="en-GB" smtClean="0"/>
-              <a:t>31/08/2020</a:t>
+              <a:t>01/09/2020</a:t>
             </a:fld>
             <a:endParaRPr lang="en-GB"/>
           </a:p>
@@ -4510,7 +4510,7 @@
         <p:spPr>
           <a:xfrm>
             <a:off x="2646639" y="5334070"/>
-            <a:ext cx="2020457" cy="778576"/>
+            <a:ext cx="2020457" cy="769104"/>
           </a:xfrm>
           <a:prstGeom prst="rect">
             <a:avLst/>
